--- a/Clases/MVC/slides/Introduccion MVC.pptx
+++ b/Clases/MVC/slides/Introduccion MVC.pptx
@@ -10780,7 +10780,15 @@
             </a:r>
             <a:r>
               <a:rPr lang="en-US" b="0" dirty="0" smtClean="0"/>
-              <a:t> major.</a:t>
+              <a:t> </a:t>
+            </a:r>
+            <a:r>
+              <a:rPr lang="en-US" b="0" dirty="0" smtClean="0"/>
+              <a:t>mayor</a:t>
+            </a:r>
+            <a:r>
+              <a:rPr lang="en-US" b="0" dirty="0" smtClean="0"/>
+              <a:t>.</a:t>
             </a:r>
             <a:endParaRPr lang="en-US" b="0" dirty="0"/>
           </a:p>
@@ -10822,12 +10830,16 @@
               <a:t> la </a:t>
             </a:r>
             <a:r>
-              <a:rPr lang="en-US" b="0" dirty="0" err="1" smtClean="0"/>
-              <a:t>complegidad</a:t>
-            </a:r>
-            <a:r>
-              <a:rPr lang="en-US" b="0" dirty="0" smtClean="0"/>
-              <a:t> e </a:t>
+              <a:rPr lang="en-US" b="0" smtClean="0"/>
+              <a:t>complejidad</a:t>
+            </a:r>
+            <a:r>
+              <a:rPr lang="en-US" b="0" dirty="0" smtClean="0"/>
+              <a:t> </a:t>
+            </a:r>
+            <a:r>
+              <a:rPr lang="en-US" b="0" dirty="0" smtClean="0"/>
+              <a:t>e </a:t>
             </a:r>
             <a:r>
               <a:rPr lang="en-US" b="0" dirty="0" err="1" smtClean="0"/>
@@ -11228,6 +11240,13 @@
   <p:clrMapOvr>
     <a:masterClrMapping/>
   </p:clrMapOvr>
+  <p:timing>
+    <p:tnLst>
+      <p:par>
+        <p:cTn id="1" dur="indefinite" restart="never" nodeType="tmRoot"/>
+      </p:par>
+    </p:tnLst>
+  </p:timing>
 </p:sld>
 </file>
 
@@ -11391,23 +11410,8 @@
                 </a:solidFill>
                 <a:sym typeface="Arial"/>
               </a:rPr>
-              <a:t>Ir a la carpeta </a:t>
-            </a:r>
-            <a:r>
-              <a:rPr lang="es-AR" sz="2000" b="0" i="0" u="none" strike="noStrike" cap="none" baseline="0" dirty="0" smtClean="0">
-                <a:solidFill>
-                  <a:schemeClr val="dk1"/>
-                </a:solidFill>
-                <a:sym typeface="Arial"/>
-              </a:rPr>
-              <a:t>Clases/MVC</a:t>
-            </a:r>
-            <a:endParaRPr lang="es-AR" sz="2000" b="0" i="0" u="none" strike="noStrike" cap="none" baseline="0" dirty="0" smtClean="0">
-              <a:solidFill>
-                <a:schemeClr val="dk1"/>
-              </a:solidFill>
-              <a:sym typeface="Arial"/>
-            </a:endParaRPr>
+              <a:t>Ir a la carpeta Clases/MVC</a:t>
+            </a:r>
           </a:p>
           <a:p>
             <a:pPr marL="342900" marR="0" lvl="0" indent="-342900" algn="l" rtl="0">
@@ -11435,13 +11439,8 @@
             </a:r>
             <a:r>
               <a:rPr lang="es-AR" b="0" dirty="0" smtClean="0"/>
-              <a:t>a con su nombre y apellido (dentro de </a:t>
-            </a:r>
-            <a:r>
-              <a:rPr lang="es-AR" b="0" dirty="0" smtClean="0"/>
-              <a:t>Alumnos)</a:t>
-            </a:r>
-            <a:endParaRPr lang="es-AR" b="0" dirty="0" smtClean="0"/>
+              <a:t>a con su nombre y apellido (dentro de Alumnos)</a:t>
+            </a:r>
           </a:p>
           <a:p>
             <a:pPr marL="342900" marR="0" lvl="0" indent="-342900" algn="l" rtl="0">
@@ -11460,13 +11459,8 @@
             </a:pPr>
             <a:r>
               <a:rPr lang="es-AR" b="0" dirty="0" smtClean="0"/>
-              <a:t>Copiar </a:t>
-            </a:r>
-            <a:r>
-              <a:rPr lang="es-AR" b="0" dirty="0" smtClean="0"/>
-              <a:t>lo contenido en la carpeta ejercicio</a:t>
-            </a:r>
-            <a:endParaRPr lang="es-AR" b="0" dirty="0" smtClean="0"/>
+              <a:t>Copiar lo contenido en la carpeta ejercicio</a:t>
+            </a:r>
           </a:p>
           <a:p>
             <a:pPr marL="342900" marR="0" lvl="0" indent="-342900" algn="l" rtl="0">
@@ -11559,7 +11553,6 @@
               <a:rPr lang="es-AR" b="0" dirty="0" smtClean="0"/>
               <a:t> tienen que usar el patrón.</a:t>
             </a:r>
-            <a:endParaRPr lang="es-AR" b="0" dirty="0" smtClean="0"/>
           </a:p>
           <a:p>
             <a:pPr marL="342900" marR="0" lvl="0" indent="-342900" algn="l" rtl="0">
@@ -11683,6 +11676,13 @@
   <p:transition spd="slow">
     <p:cut/>
   </p:transition>
+  <p:timing>
+    <p:tnLst>
+      <p:par>
+        <p:cTn id="1" dur="indefinite" restart="never" nodeType="tmRoot"/>
+      </p:par>
+    </p:tnLst>
+  </p:timing>
 </p:sld>
 </file>
 
